--- a/2017-MEM-2-9-贾超-学生手册逻辑模型_v1.pptx
+++ b/2017-MEM-2-9-贾超-学生手册逻辑模型_v1.pptx
@@ -4,6 +4,9 @@
   <p:sldMasterIdLst>
     <p:sldMasterId id="2147483648" r:id="rId1"/>
   </p:sldMasterIdLst>
+  <p:notesMasterIdLst>
+    <p:notesMasterId r:id="rId4"/>
+  </p:notesMasterIdLst>
   <p:sldIdLst>
     <p:sldId id="279" r:id="rId3"/>
   </p:sldIdLst>
@@ -140,6 +143,397 @@
     </a:lvl9pPr>
   </p:defaultTextStyle>
 </p:presentation>
+</file>
+
+<file path=ppt/notesMasters/notesMaster1.xml><?xml version="1.0" encoding="utf-8"?>
+<p:notesMaster xmlns:a="http://schemas.openxmlformats.org/drawingml/2006/main" xmlns:r="http://schemas.openxmlformats.org/officeDocument/2006/relationships" xmlns:p="http://schemas.openxmlformats.org/presentationml/2006/main">
+  <p:cSld>
+    <p:bg>
+      <p:bgRef idx="1001">
+        <a:schemeClr val="bg1"/>
+      </p:bgRef>
+    </p:bg>
+    <p:spTree>
+      <p:nvGrpSpPr>
+        <p:cNvPr id="1" name=""/>
+        <p:cNvGrpSpPr/>
+        <p:nvPr/>
+      </p:nvGrpSpPr>
+      <p:grpSpPr>
+        <a:xfrm>
+          <a:off x="0" y="0"/>
+          <a:ext cx="0" cy="0"/>
+          <a:chOff x="0" y="0"/>
+          <a:chExt cx="0" cy="0"/>
+        </a:xfrm>
+      </p:grpSpPr>
+      <p:sp>
+        <p:nvSpPr>
+          <p:cNvPr id="2" name="页眉占位符 1"/>
+          <p:cNvSpPr>
+            <a:spLocks noGrp="1"/>
+          </p:cNvSpPr>
+          <p:nvPr>
+            <p:ph type="hdr" sz="quarter"/>
+          </p:nvPr>
+        </p:nvSpPr>
+        <p:spPr>
+          <a:xfrm>
+            <a:off x="0" y="0"/>
+            <a:ext cx="2971800" cy="458788"/>
+          </a:xfrm>
+          <a:prstGeom prst="rect">
+            <a:avLst/>
+          </a:prstGeom>
+        </p:spPr>
+        <p:txBody>
+          <a:bodyPr vert="horz" lIns="91440" tIns="45720" rIns="91440" bIns="45720" rtlCol="0"/>
+          <a:lstStyle>
+            <a:lvl1pPr algn="l">
+              <a:defRPr sz="1200"/>
+            </a:lvl1pPr>
+          </a:lstStyle>
+          <a:p>
+            <a:endParaRPr lang="zh-CN" altLang="en-US"/>
+          </a:p>
+        </p:txBody>
+      </p:sp>
+      <p:sp>
+        <p:nvSpPr>
+          <p:cNvPr id="3" name="日期占位符 2"/>
+          <p:cNvSpPr>
+            <a:spLocks noGrp="1"/>
+          </p:cNvSpPr>
+          <p:nvPr>
+            <p:ph type="dt" idx="1"/>
+          </p:nvPr>
+        </p:nvSpPr>
+        <p:spPr>
+          <a:xfrm>
+            <a:off x="3884613" y="0"/>
+            <a:ext cx="2971800" cy="458788"/>
+          </a:xfrm>
+          <a:prstGeom prst="rect">
+            <a:avLst/>
+          </a:prstGeom>
+        </p:spPr>
+        <p:txBody>
+          <a:bodyPr vert="horz" lIns="91440" tIns="45720" rIns="91440" bIns="45720" rtlCol="0"/>
+          <a:lstStyle>
+            <a:lvl1pPr algn="r">
+              <a:defRPr sz="1200"/>
+            </a:lvl1pPr>
+          </a:lstStyle>
+          <a:p>
+            <a:fld id="{D2A48B96-639E-45A3-A0BA-2464DFDB1FAA}" type="datetimeFigureOut">
+              <a:rPr lang="zh-CN" altLang="en-US" smtClean="0"/>
+            </a:fld>
+            <a:endParaRPr lang="zh-CN" altLang="en-US"/>
+          </a:p>
+        </p:txBody>
+      </p:sp>
+      <p:sp>
+        <p:nvSpPr>
+          <p:cNvPr id="4" name="幻灯片图像占位符 3"/>
+          <p:cNvSpPr>
+            <a:spLocks noGrp="1" noRot="1" noChangeAspect="1"/>
+          </p:cNvSpPr>
+          <p:nvPr>
+            <p:ph type="sldImg" idx="2"/>
+          </p:nvPr>
+        </p:nvSpPr>
+        <p:spPr>
+          <a:xfrm>
+            <a:off x="685800" y="1143000"/>
+            <a:ext cx="5486400" cy="3086100"/>
+          </a:xfrm>
+          <a:prstGeom prst="rect">
+            <a:avLst/>
+          </a:prstGeom>
+          <a:noFill/>
+          <a:ln w="12700">
+            <a:solidFill>
+              <a:prstClr val="black"/>
+            </a:solidFill>
+          </a:ln>
+        </p:spPr>
+        <p:txBody>
+          <a:bodyPr vert="horz" lIns="91440" tIns="45720" rIns="91440" bIns="45720" rtlCol="0" anchor="ctr"/>
+          <a:lstStyle/>
+          <a:p>
+            <a:endParaRPr lang="zh-CN" altLang="en-US"/>
+          </a:p>
+        </p:txBody>
+      </p:sp>
+      <p:sp>
+        <p:nvSpPr>
+          <p:cNvPr id="5" name="备注占位符 4"/>
+          <p:cNvSpPr>
+            <a:spLocks noGrp="1"/>
+          </p:cNvSpPr>
+          <p:nvPr>
+            <p:ph type="body" sz="quarter" idx="3"/>
+          </p:nvPr>
+        </p:nvSpPr>
+        <p:spPr>
+          <a:xfrm>
+            <a:off x="685800" y="4400550"/>
+            <a:ext cx="5486400" cy="3600450"/>
+          </a:xfrm>
+          <a:prstGeom prst="rect">
+            <a:avLst/>
+          </a:prstGeom>
+        </p:spPr>
+        <p:txBody>
+          <a:bodyPr vert="horz" lIns="91440" tIns="45720" rIns="91440" bIns="45720" rtlCol="0"/>
+          <a:lstStyle/>
+          <a:p>
+            <a:pPr lvl="0"/>
+            <a:r>
+              <a:rPr lang="zh-CN" altLang="en-US" smtClean="0"/>
+              <a:t>单击此处编辑母版文本样式</a:t>
+            </a:r>
+            <a:endParaRPr lang="zh-CN" altLang="en-US" smtClean="0"/>
+          </a:p>
+          <a:p>
+            <a:pPr lvl="1"/>
+            <a:r>
+              <a:rPr lang="zh-CN" altLang="en-US" smtClean="0"/>
+              <a:t>第二级</a:t>
+            </a:r>
+            <a:endParaRPr lang="zh-CN" altLang="en-US" smtClean="0"/>
+          </a:p>
+          <a:p>
+            <a:pPr lvl="2"/>
+            <a:r>
+              <a:rPr lang="zh-CN" altLang="en-US" smtClean="0"/>
+              <a:t>第三级</a:t>
+            </a:r>
+            <a:endParaRPr lang="zh-CN" altLang="en-US" smtClean="0"/>
+          </a:p>
+          <a:p>
+            <a:pPr lvl="3"/>
+            <a:r>
+              <a:rPr lang="zh-CN" altLang="en-US" smtClean="0"/>
+              <a:t>第四级</a:t>
+            </a:r>
+            <a:endParaRPr lang="zh-CN" altLang="en-US" smtClean="0"/>
+          </a:p>
+          <a:p>
+            <a:pPr lvl="4"/>
+            <a:r>
+              <a:rPr lang="zh-CN" altLang="en-US" smtClean="0"/>
+              <a:t>第五级</a:t>
+            </a:r>
+            <a:endParaRPr lang="zh-CN" altLang="en-US"/>
+          </a:p>
+        </p:txBody>
+      </p:sp>
+      <p:sp>
+        <p:nvSpPr>
+          <p:cNvPr id="6" name="页脚占位符 5"/>
+          <p:cNvSpPr>
+            <a:spLocks noGrp="1"/>
+          </p:cNvSpPr>
+          <p:nvPr>
+            <p:ph type="ftr" sz="quarter" idx="4"/>
+          </p:nvPr>
+        </p:nvSpPr>
+        <p:spPr>
+          <a:xfrm>
+            <a:off x="0" y="8685213"/>
+            <a:ext cx="2971800" cy="458787"/>
+          </a:xfrm>
+          <a:prstGeom prst="rect">
+            <a:avLst/>
+          </a:prstGeom>
+        </p:spPr>
+        <p:txBody>
+          <a:bodyPr vert="horz" lIns="91440" tIns="45720" rIns="91440" bIns="45720" rtlCol="0" anchor="b"/>
+          <a:lstStyle>
+            <a:lvl1pPr algn="l">
+              <a:defRPr sz="1200"/>
+            </a:lvl1pPr>
+          </a:lstStyle>
+          <a:p>
+            <a:endParaRPr lang="zh-CN" altLang="en-US"/>
+          </a:p>
+        </p:txBody>
+      </p:sp>
+      <p:sp>
+        <p:nvSpPr>
+          <p:cNvPr id="7" name="灯片编号占位符 6"/>
+          <p:cNvSpPr>
+            <a:spLocks noGrp="1"/>
+          </p:cNvSpPr>
+          <p:nvPr>
+            <p:ph type="sldNum" sz="quarter" idx="5"/>
+          </p:nvPr>
+        </p:nvSpPr>
+        <p:spPr>
+          <a:xfrm>
+            <a:off x="3884613" y="8685213"/>
+            <a:ext cx="2971800" cy="458787"/>
+          </a:xfrm>
+          <a:prstGeom prst="rect">
+            <a:avLst/>
+          </a:prstGeom>
+        </p:spPr>
+        <p:txBody>
+          <a:bodyPr vert="horz" lIns="91440" tIns="45720" rIns="91440" bIns="45720" rtlCol="0" anchor="b"/>
+          <a:lstStyle>
+            <a:lvl1pPr algn="r">
+              <a:defRPr sz="1200"/>
+            </a:lvl1pPr>
+          </a:lstStyle>
+          <a:p>
+            <a:fld id="{A6837353-30EB-4A48-80EB-173D804AEFBD}" type="slidenum">
+              <a:rPr lang="zh-CN" altLang="en-US" smtClean="0"/>
+            </a:fld>
+            <a:endParaRPr lang="zh-CN" altLang="en-US"/>
+          </a:p>
+        </p:txBody>
+      </p:sp>
+    </p:spTree>
+  </p:cSld>
+  <p:clrMap bg1="lt1" tx1="dk1" bg2="lt2" tx2="dk2" accent1="accent1" accent2="accent2" accent3="accent3" accent4="accent4" accent5="accent5" accent6="accent6" hlink="hlink" folHlink="folHlink"/>
+  <p:notesStyle>
+    <a:lvl1pPr marL="0" algn="l" defTabSz="914400" rtl="0" eaLnBrk="1" latinLnBrk="0" hangingPunct="1">
+      <a:defRPr sz="1200" kern="1200">
+        <a:solidFill>
+          <a:schemeClr val="tx1"/>
+        </a:solidFill>
+        <a:latin typeface="+mn-lt"/>
+        <a:ea typeface="+mn-ea"/>
+        <a:cs typeface="+mn-cs"/>
+      </a:defRPr>
+    </a:lvl1pPr>
+    <a:lvl2pPr marL="457200" algn="l" defTabSz="914400" rtl="0" eaLnBrk="1" latinLnBrk="0" hangingPunct="1">
+      <a:defRPr sz="1200" kern="1200">
+        <a:solidFill>
+          <a:schemeClr val="tx1"/>
+        </a:solidFill>
+        <a:latin typeface="+mn-lt"/>
+        <a:ea typeface="+mn-ea"/>
+        <a:cs typeface="+mn-cs"/>
+      </a:defRPr>
+    </a:lvl2pPr>
+    <a:lvl3pPr marL="914400" algn="l" defTabSz="914400" rtl="0" eaLnBrk="1" latinLnBrk="0" hangingPunct="1">
+      <a:defRPr sz="1200" kern="1200">
+        <a:solidFill>
+          <a:schemeClr val="tx1"/>
+        </a:solidFill>
+        <a:latin typeface="+mn-lt"/>
+        <a:ea typeface="+mn-ea"/>
+        <a:cs typeface="+mn-cs"/>
+      </a:defRPr>
+    </a:lvl3pPr>
+    <a:lvl4pPr marL="1371600" algn="l" defTabSz="914400" rtl="0" eaLnBrk="1" latinLnBrk="0" hangingPunct="1">
+      <a:defRPr sz="1200" kern="1200">
+        <a:solidFill>
+          <a:schemeClr val="tx1"/>
+        </a:solidFill>
+        <a:latin typeface="+mn-lt"/>
+        <a:ea typeface="+mn-ea"/>
+        <a:cs typeface="+mn-cs"/>
+      </a:defRPr>
+    </a:lvl4pPr>
+    <a:lvl5pPr marL="1828800" algn="l" defTabSz="914400" rtl="0" eaLnBrk="1" latinLnBrk="0" hangingPunct="1">
+      <a:defRPr sz="1200" kern="1200">
+        <a:solidFill>
+          <a:schemeClr val="tx1"/>
+        </a:solidFill>
+        <a:latin typeface="+mn-lt"/>
+        <a:ea typeface="+mn-ea"/>
+        <a:cs typeface="+mn-cs"/>
+      </a:defRPr>
+    </a:lvl5pPr>
+    <a:lvl6pPr marL="2286000" algn="l" defTabSz="914400" rtl="0" eaLnBrk="1" latinLnBrk="0" hangingPunct="1">
+      <a:defRPr sz="1200" kern="1200">
+        <a:solidFill>
+          <a:schemeClr val="tx1"/>
+        </a:solidFill>
+        <a:latin typeface="+mn-lt"/>
+        <a:ea typeface="+mn-ea"/>
+        <a:cs typeface="+mn-cs"/>
+      </a:defRPr>
+    </a:lvl6pPr>
+    <a:lvl7pPr marL="2743200" algn="l" defTabSz="914400" rtl="0" eaLnBrk="1" latinLnBrk="0" hangingPunct="1">
+      <a:defRPr sz="1200" kern="1200">
+        <a:solidFill>
+          <a:schemeClr val="tx1"/>
+        </a:solidFill>
+        <a:latin typeface="+mn-lt"/>
+        <a:ea typeface="+mn-ea"/>
+        <a:cs typeface="+mn-cs"/>
+      </a:defRPr>
+    </a:lvl7pPr>
+    <a:lvl8pPr marL="3200400" algn="l" defTabSz="914400" rtl="0" eaLnBrk="1" latinLnBrk="0" hangingPunct="1">
+      <a:defRPr sz="1200" kern="1200">
+        <a:solidFill>
+          <a:schemeClr val="tx1"/>
+        </a:solidFill>
+        <a:latin typeface="+mn-lt"/>
+        <a:ea typeface="+mn-ea"/>
+        <a:cs typeface="+mn-cs"/>
+      </a:defRPr>
+    </a:lvl8pPr>
+    <a:lvl9pPr marL="3657600" algn="l" defTabSz="914400" rtl="0" eaLnBrk="1" latinLnBrk="0" hangingPunct="1">
+      <a:defRPr sz="1200" kern="1200">
+        <a:solidFill>
+          <a:schemeClr val="tx1"/>
+        </a:solidFill>
+        <a:latin typeface="+mn-lt"/>
+        <a:ea typeface="+mn-ea"/>
+        <a:cs typeface="+mn-cs"/>
+      </a:defRPr>
+    </a:lvl9pPr>
+  </p:notesStyle>
+</p:notesMaster>
+</file>
+
+<file path=ppt/notesSlides/notesSlide1.xml><?xml version="1.0" encoding="utf-8"?>
+<p:notes xmlns:a="http://schemas.openxmlformats.org/drawingml/2006/main" xmlns:r="http://schemas.openxmlformats.org/officeDocument/2006/relationships" xmlns:p="http://schemas.openxmlformats.org/presentationml/2006/main">
+  <p:cSld>
+    <p:spTree>
+      <p:nvGrpSpPr>
+        <p:cNvPr id="1" name=""/>
+        <p:cNvGrpSpPr/>
+        <p:nvPr/>
+      </p:nvGrpSpPr>
+      <p:grpSpPr/>
+      <p:sp>
+        <p:nvSpPr>
+          <p:cNvPr id="2" name="幻灯片图像占位符 1"/>
+          <p:cNvSpPr/>
+          <p:nvPr>
+            <p:ph type="sldImg" idx="2"/>
+          </p:nvPr>
+        </p:nvSpPr>
+        <p:spPr/>
+      </p:sp>
+      <p:sp>
+        <p:nvSpPr>
+          <p:cNvPr id="3" name="文本占位符 2"/>
+          <p:cNvSpPr/>
+          <p:nvPr>
+            <p:ph type="body" idx="3"/>
+          </p:nvPr>
+        </p:nvSpPr>
+        <p:spPr/>
+        <p:txBody>
+          <a:bodyPr/>
+          <a:p>
+            <a:endParaRPr lang="zh-CN" altLang="en-US"/>
+          </a:p>
+        </p:txBody>
+      </p:sp>
+    </p:spTree>
+  </p:cSld>
+  <p:clrMapOvr>
+    <a:masterClrMapping/>
+  </p:clrMapOvr>
+</p:notes>
 </file>
 
 <file path=ppt/slideLayouts/slideLayout1.xml><?xml version="1.0" encoding="utf-8"?>
@@ -5709,7 +6103,7 @@
         <p:spPr>
           <a:xfrm>
             <a:off x="3295934" y="1726722"/>
-            <a:ext cx="1883760" cy="2008505"/>
+            <a:ext cx="1883760" cy="1861185"/>
           </a:xfrm>
           <a:prstGeom prst="rect">
             <a:avLst/>
@@ -5726,95 +6120,6 @@
               <a:lnSpc>
                 <a:spcPct val="120000"/>
               </a:lnSpc>
-              <a:buFont typeface="Arial" panose="020B0604020202020204" pitchFamily="34" charset="0"/>
-              <a:buChar char="•"/>
-            </a:pPr>
-            <a:r>
-              <a:rPr lang="en-US" altLang="zh-CN" sz="800" b="1" strike="sngStrike" dirty="0">
-                <a:solidFill>
-                  <a:schemeClr val="bg1"/>
-                </a:solidFill>
-                <a:latin typeface="Microsoft JhengHei" panose="020B0604030504040204" pitchFamily="34" charset="-120"/>
-                <a:ea typeface="Microsoft JhengHei" panose="020B0604030504040204" pitchFamily="34" charset="-120"/>
-                <a:cs typeface="Lantinghei SC Extralight" charset="-122"/>
-                <a:sym typeface="+mn-ea"/>
-              </a:rPr>
-              <a:t>61</a:t>
-            </a:r>
-            <a:r>
-              <a:rPr lang="zh-CN" altLang="en-US" sz="800" b="1" strike="sngStrike" dirty="0">
-                <a:solidFill>
-                  <a:schemeClr val="bg1"/>
-                </a:solidFill>
-                <a:latin typeface="Microsoft JhengHei" panose="020B0604030504040204" pitchFamily="34" charset="-120"/>
-                <a:ea typeface="Microsoft JhengHei" panose="020B0604030504040204" pitchFamily="34" charset="-120"/>
-                <a:cs typeface="Lantinghei SC Extralight" charset="-122"/>
-                <a:sym typeface="+mn-ea"/>
-              </a:rPr>
-              <a:t>名学员</a:t>
-            </a:r>
-            <a:r>
-              <a:rPr lang="en-US" altLang="zh-CN" sz="800" b="1" strike="sngStrike" dirty="0">
-                <a:solidFill>
-                  <a:schemeClr val="bg1"/>
-                </a:solidFill>
-                <a:latin typeface="Microsoft JhengHei" panose="020B0604030504040204" pitchFamily="34" charset="-120"/>
-                <a:ea typeface="Microsoft JhengHei" panose="020B0604030504040204" pitchFamily="34" charset="-120"/>
-                <a:cs typeface="Lantinghei SC Extralight" charset="-122"/>
-                <a:sym typeface="+mn-ea"/>
-              </a:rPr>
-              <a:t>/</a:t>
-            </a:r>
-            <a:r>
-              <a:rPr lang="zh-CN" altLang="en-US" sz="800" b="1" strike="sngStrike" dirty="0">
-                <a:solidFill>
-                  <a:schemeClr val="bg1"/>
-                </a:solidFill>
-                <a:latin typeface="Microsoft JhengHei" panose="020B0604030504040204" pitchFamily="34" charset="-120"/>
-                <a:ea typeface="Microsoft JhengHei" panose="020B0604030504040204" pitchFamily="34" charset="-120"/>
-                <a:cs typeface="Lantinghei SC Extralight" charset="-122"/>
-                <a:sym typeface="+mn-ea"/>
-              </a:rPr>
-              <a:t>分成</a:t>
-            </a:r>
-            <a:r>
-              <a:rPr lang="en-US" altLang="zh-CN" sz="800" b="1" strike="sngStrike" dirty="0">
-                <a:solidFill>
-                  <a:schemeClr val="bg1"/>
-                </a:solidFill>
-                <a:latin typeface="Microsoft JhengHei" panose="020B0604030504040204" pitchFamily="34" charset="-120"/>
-                <a:ea typeface="Microsoft JhengHei" panose="020B0604030504040204" pitchFamily="34" charset="-120"/>
-                <a:cs typeface="Lantinghei SC Extralight" charset="-122"/>
-                <a:sym typeface="+mn-ea"/>
-              </a:rPr>
-              <a:t>10</a:t>
-            </a:r>
-            <a:r>
-              <a:rPr lang="zh-CN" altLang="en-US" sz="800" b="1" strike="sngStrike" dirty="0">
-                <a:solidFill>
-                  <a:schemeClr val="bg1"/>
-                </a:solidFill>
-                <a:latin typeface="Microsoft JhengHei" panose="020B0604030504040204" pitchFamily="34" charset="-120"/>
-                <a:ea typeface="Microsoft JhengHei" panose="020B0604030504040204" pitchFamily="34" charset="-120"/>
-                <a:cs typeface="Lantinghei SC Extralight" charset="-122"/>
-                <a:sym typeface="+mn-ea"/>
-              </a:rPr>
-              <a:t>个学习小组。</a:t>
-            </a:r>
-            <a:endParaRPr lang="zh-CN" altLang="en-US" sz="800" b="1" strike="sngStrike" dirty="0">
-              <a:solidFill>
-                <a:schemeClr val="bg1"/>
-              </a:solidFill>
-              <a:latin typeface="Microsoft JhengHei" panose="020B0604030504040204" pitchFamily="34" charset="-120"/>
-              <a:ea typeface="Microsoft JhengHei" panose="020B0604030504040204" pitchFamily="34" charset="-120"/>
-              <a:cs typeface="Lantinghei SC Extralight" charset="-122"/>
-            </a:endParaRPr>
-          </a:p>
-          <a:p>
-            <a:pPr marL="177800" indent="-177800">
-              <a:lnSpc>
-                <a:spcPct val="120000"/>
-              </a:lnSpc>
               <a:buFont typeface="Wingdings" panose="05000000000000000000" charset="0"/>
               <a:buChar char=""/>
             </a:pPr>
@@ -6298,7 +6603,7 @@
         <p:spPr>
           <a:xfrm>
             <a:off x="1406058" y="1717609"/>
-            <a:ext cx="1889875" cy="2451100"/>
+            <a:ext cx="1889875" cy="1271270"/>
           </a:xfrm>
           <a:prstGeom prst="rect">
             <a:avLst/>
@@ -6315,115 +6620,6 @@
               <a:lnSpc>
                 <a:spcPct val="120000"/>
               </a:lnSpc>
-              <a:buFont typeface="Arial" panose="020B0604020202020204" pitchFamily="34" charset="0"/>
-              <a:buChar char="•"/>
-            </a:pPr>
-            <a:r>
-              <a:rPr lang="en-US" altLang="zh-CN" sz="800" b="1" strike="sngStrike" dirty="0">
-                <a:solidFill>
-                  <a:schemeClr val="bg1"/>
-                </a:solidFill>
-                <a:uFillTx/>
-                <a:latin typeface="Microsoft JhengHei" panose="020B0604030504040204" pitchFamily="34" charset="-120"/>
-                <a:ea typeface="Microsoft JhengHei" panose="020B0604030504040204" pitchFamily="34" charset="-120"/>
-                <a:cs typeface="Lantinghei SC Extralight" charset="-122"/>
-                <a:sym typeface="+mn-ea"/>
-              </a:rPr>
-              <a:t>MEM</a:t>
-            </a:r>
-            <a:r>
-              <a:rPr lang="zh-CN" altLang="en-US" sz="800" b="1" strike="sngStrike" dirty="0">
-                <a:solidFill>
-                  <a:schemeClr val="bg1"/>
-                </a:solidFill>
-                <a:uFillTx/>
-                <a:latin typeface="Microsoft JhengHei" panose="020B0604030504040204" pitchFamily="34" charset="-120"/>
-                <a:ea typeface="Microsoft JhengHei" panose="020B0604030504040204" pitchFamily="34" charset="-120"/>
-                <a:cs typeface="Lantinghei SC Extralight" charset="-122"/>
-                <a:sym typeface="+mn-ea"/>
-              </a:rPr>
-              <a:t>学员透过逻辑模型的迭代，深入学习计算思维。</a:t>
-            </a:r>
-            <a:endParaRPr lang="zh-CN" altLang="en-US" sz="800" b="1" strike="sngStrike" dirty="0">
-              <a:solidFill>
-                <a:schemeClr val="bg1"/>
-              </a:solidFill>
-              <a:uFillTx/>
-              <a:latin typeface="Microsoft JhengHei" panose="020B0604030504040204" pitchFamily="34" charset="-120"/>
-              <a:ea typeface="Microsoft JhengHei" panose="020B0604030504040204" pitchFamily="34" charset="-120"/>
-              <a:cs typeface="Lantinghei SC Extralight" charset="-122"/>
-              <a:sym typeface="+mn-ea"/>
-            </a:endParaRPr>
-          </a:p>
-          <a:p>
-            <a:pPr marL="214630" indent="-214630">
-              <a:lnSpc>
-                <a:spcPct val="120000"/>
-              </a:lnSpc>
-              <a:buFont typeface="Arial" panose="020B0604020202020204" pitchFamily="34" charset="0"/>
-              <a:buChar char="•"/>
-            </a:pPr>
-            <a:r>
-              <a:rPr lang="zh-CN" altLang="en-US" sz="800" b="1" strike="sngStrike" dirty="0">
-                <a:solidFill>
-                  <a:schemeClr val="bg1"/>
-                </a:solidFill>
-                <a:uFillTx/>
-                <a:latin typeface="Microsoft JhengHei" panose="020B0604030504040204" pitchFamily="34" charset="-120"/>
-                <a:ea typeface="Microsoft JhengHei" panose="020B0604030504040204" pitchFamily="34" charset="-120"/>
-                <a:cs typeface="Lantinghei SC Extralight" charset="-122"/>
-                <a:sym typeface="+mn-ea"/>
-              </a:rPr>
-              <a:t>透过「认识自己」，「认识清华」，「清华与我」的学习过程，得到资源整合的方法。</a:t>
-            </a:r>
-            <a:endParaRPr lang="zh-CN" altLang="en-US" sz="800" b="1" strike="sngStrike" dirty="0">
-              <a:solidFill>
-                <a:schemeClr val="bg1"/>
-              </a:solidFill>
-              <a:uFillTx/>
-              <a:latin typeface="Microsoft JhengHei" panose="020B0604030504040204" pitchFamily="34" charset="-120"/>
-              <a:ea typeface="Microsoft JhengHei" panose="020B0604030504040204" pitchFamily="34" charset="-120"/>
-              <a:cs typeface="Lantinghei SC Extralight" charset="-122"/>
-              <a:sym typeface="+mn-ea"/>
-            </a:endParaRPr>
-          </a:p>
-          <a:p>
-            <a:pPr marL="214630" indent="-214630">
-              <a:lnSpc>
-                <a:spcPct val="120000"/>
-              </a:lnSpc>
-              <a:buFont typeface="Arial" panose="020B0604020202020204" pitchFamily="34" charset="0"/>
-              <a:buChar char="•"/>
-            </a:pPr>
-            <a:r>
-              <a:rPr lang="zh-CN" altLang="en-US" sz="800" b="1" strike="sngStrike" dirty="0">
-                <a:solidFill>
-                  <a:schemeClr val="bg1"/>
-                </a:solidFill>
-                <a:uFillTx/>
-                <a:latin typeface="Microsoft JhengHei" panose="020B0604030504040204" pitchFamily="34" charset="-120"/>
-                <a:ea typeface="Microsoft JhengHei" panose="020B0604030504040204" pitchFamily="34" charset="-120"/>
-                <a:cs typeface="Lantinghei SC Extralight" charset="-122"/>
-                <a:sym typeface="+mn-ea"/>
-              </a:rPr>
-              <a:t>学员能根据工具的使用，进行自主学习与数据工作流的成果输出。</a:t>
-            </a:r>
-            <a:endParaRPr lang="zh-CN" altLang="en-US" sz="800" b="1" strike="sngStrike" dirty="0">
-              <a:solidFill>
-                <a:schemeClr val="bg1"/>
-              </a:solidFill>
-              <a:uFillTx/>
-              <a:latin typeface="Microsoft JhengHei" panose="020B0604030504040204" pitchFamily="34" charset="-120"/>
-              <a:ea typeface="Microsoft JhengHei" panose="020B0604030504040204" pitchFamily="34" charset="-120"/>
-              <a:cs typeface="Lantinghei SC Extralight" charset="-122"/>
-              <a:sym typeface="+mn-ea"/>
-            </a:endParaRPr>
-          </a:p>
-          <a:p>
-            <a:pPr marL="214630" indent="-214630">
-              <a:lnSpc>
-                <a:spcPct val="120000"/>
-              </a:lnSpc>
               <a:buFont typeface="Wingdings" panose="05000000000000000000" charset="0"/>
               <a:buChar char=""/>
             </a:pPr>
@@ -6514,7 +6710,7 @@
         <p:spPr>
           <a:xfrm>
             <a:off x="2129883" y="741196"/>
-            <a:ext cx="6671448" cy="583565"/>
+            <a:ext cx="6671448" cy="460375"/>
           </a:xfrm>
           <a:prstGeom prst="rect">
             <a:avLst/>
@@ -6539,18 +6735,6 @@
               <a:t>宏观：</a:t>
             </a:r>
             <a:r>
-              <a:rPr lang="zh-CN" altLang="en-US" sz="800" b="1" strike="sngStrike" dirty="0">
-                <a:solidFill>
-                  <a:schemeClr val="bg1"/>
-                </a:solidFill>
-                <a:uFillTx/>
-                <a:latin typeface="Microsoft JhengHei" panose="020B0604030504040204" pitchFamily="34" charset="-120"/>
-                <a:ea typeface="Microsoft JhengHei" panose="020B0604030504040204" pitchFamily="34" charset="-120"/>
-                <a:cs typeface="Lantinghei SC Extralight" charset="-122"/>
-              </a:rPr>
-              <a:t>在「清华与我」的课程结构中，进行价值整合与产出班级宪章的学习成果。</a:t>
-            </a:r>
-            <a:r>
               <a:rPr lang="zh-CN" altLang="en-US" sz="800" b="1" dirty="0">
                 <a:solidFill>
                   <a:schemeClr val="bg1"/>
@@ -6605,30 +6789,7 @@
                 <a:ea typeface="Microsoft JhengHei" panose="020B0604030504040204" pitchFamily="34" charset="-120"/>
                 <a:cs typeface="Lantinghei SC Extralight" charset="-122"/>
               </a:rPr>
-              <a:t>微观：</a:t>
-            </a:r>
-            <a:r>
-              <a:rPr lang="zh-CN" altLang="en-US" sz="800" b="1" strike="sngStrike" dirty="0">
-                <a:solidFill>
-                  <a:schemeClr val="bg1"/>
-                </a:solidFill>
-                <a:uFillTx/>
-                <a:latin typeface="Microsoft JhengHei" panose="020B0604030504040204" pitchFamily="34" charset="-120"/>
-                <a:ea typeface="Microsoft JhengHei" panose="020B0604030504040204" pitchFamily="34" charset="-120"/>
-                <a:cs typeface="Lantinghei SC Extralight" charset="-122"/>
-              </a:rPr>
-              <a:t>透过性格测试，个人简历制作等课程项目「认识自己」。     </a:t>
-            </a:r>
-            <a:r>
-              <a:rPr lang="zh-CN" altLang="en-US" sz="800" b="1" dirty="0">
-                <a:solidFill>
-                  <a:schemeClr val="bg1"/>
-                </a:solidFill>
-                <a:latin typeface="Microsoft JhengHei" panose="020B0604030504040204" pitchFamily="34" charset="-120"/>
-                <a:ea typeface="Microsoft JhengHei" panose="020B0604030504040204" pitchFamily="34" charset="-120"/>
-                <a:cs typeface="Lantinghei SC Extralight" charset="-122"/>
-              </a:rPr>
-              <a:t> 完成课程各项要求，产出个人与群体各项输出，展示课程学习成果</a:t>
+              <a:t>微观：完成课程各项要求，产出个人与群体各项输出，展示课程学习成果</a:t>
             </a:r>
             <a:endParaRPr lang="zh-CN" altLang="en-US" sz="800" b="1" dirty="0">
               <a:solidFill>
@@ -6934,18 +7095,7 @@
                 <a:ea typeface="Microsoft JhengHei" panose="020B0604030504040204" pitchFamily="34" charset="-120"/>
                 <a:cs typeface="Lantinghei SC Extralight" charset="-122"/>
               </a:rPr>
-              <a:t>2</a:t>
-            </a:r>
-            <a:r>
-              <a:rPr lang="en-US" altLang="zh-CN" sz="800" b="1" dirty="0">
-                <a:solidFill>
-                  <a:schemeClr val="bg1"/>
-                </a:solidFill>
-                <a:latin typeface="Microsoft JhengHei" panose="020B0604030504040204" pitchFamily="34" charset="-120"/>
-                <a:ea typeface="Microsoft JhengHei" panose="020B0604030504040204" pitchFamily="34" charset="-120"/>
-                <a:cs typeface="Lantinghei SC Extralight" charset="-122"/>
-              </a:rPr>
-              <a:t>017</a:t>
+              <a:t>2017</a:t>
             </a:r>
             <a:r>
               <a:rPr lang="zh-CN" altLang="en-US" sz="800" b="1" dirty="0">
@@ -7613,18 +7763,7 @@
                 <a:ea typeface="Microsoft JhengHei" panose="020B0604030504040204" pitchFamily="34" charset="-120"/>
                 <a:cs typeface="Lantinghei SC Extralight" charset="-122"/>
               </a:rPr>
-              <a:t>每位</a:t>
-            </a:r>
-            <a:r>
-              <a:rPr lang="zh-CN" altLang="en-US" sz="800" b="1" dirty="0">
-                <a:solidFill>
-                  <a:srgbClr val="FFFF00"/>
-                </a:solidFill>
-                <a:latin typeface="Microsoft JhengHei" panose="020B0604030504040204" pitchFamily="34" charset="-120"/>
-                <a:ea typeface="Microsoft JhengHei" panose="020B0604030504040204" pitchFamily="34" charset="-120"/>
-                <a:cs typeface="Lantinghei SC Extralight" charset="-122"/>
-              </a:rPr>
-              <a:t>学生拥有不同的知识背景和学习习惯，在接受新知识时效率与程度不一致</a:t>
+              <a:t>每位学生拥有不同的知识背景和学习习惯，在接受新知识时效率与程度不一致</a:t>
             </a:r>
             <a:endParaRPr lang="zh-CN" altLang="en-US" sz="800" b="1" dirty="0">
               <a:solidFill>
@@ -8047,4 +8186,263 @@
     </a:ext>
   </a:extLst>
 </a:theme>
+</file>
+
+<file path=ppt/theme/theme2.xml><?xml version="1.0" encoding="utf-8"?>
+<a:theme xmlns:a="http://schemas.openxmlformats.org/drawingml/2006/main" name="Office 主题">
+  <a:themeElements>
+    <a:clrScheme name="Office">
+      <a:dk1>
+        <a:sysClr val="windowText" lastClr="000000"/>
+      </a:dk1>
+      <a:lt1>
+        <a:sysClr val="window" lastClr="FFFFFF"/>
+      </a:lt1>
+      <a:dk2>
+        <a:srgbClr val="44546A"/>
+      </a:dk2>
+      <a:lt2>
+        <a:srgbClr val="E7E6E6"/>
+      </a:lt2>
+      <a:accent1>
+        <a:srgbClr val="5B9BD5"/>
+      </a:accent1>
+      <a:accent2>
+        <a:srgbClr val="ED7D31"/>
+      </a:accent2>
+      <a:accent3>
+        <a:srgbClr val="A5A5A5"/>
+      </a:accent3>
+      <a:accent4>
+        <a:srgbClr val="FFC000"/>
+      </a:accent4>
+      <a:accent5>
+        <a:srgbClr val="4472C4"/>
+      </a:accent5>
+      <a:accent6>
+        <a:srgbClr val="70AD47"/>
+      </a:accent6>
+      <a:hlink>
+        <a:srgbClr val="0563C1"/>
+      </a:hlink>
+      <a:folHlink>
+        <a:srgbClr val="954F72"/>
+      </a:folHlink>
+    </a:clrScheme>
+    <a:fontScheme name="Office">
+      <a:majorFont>
+        <a:latin typeface="Calibri Light"/>
+        <a:ea typeface=""/>
+        <a:cs typeface=""/>
+        <a:font script="Jpan" typeface="ＭＳ Ｐゴシック"/>
+        <a:font script="Hang" typeface="맑은 고딕"/>
+        <a:font script="Hans" typeface="宋体"/>
+        <a:font script="Hant" typeface="新細明體"/>
+        <a:font script="Arab" typeface="Times New Roman"/>
+        <a:font script="Hebr" typeface="Times New Roman"/>
+        <a:font script="Thai" typeface="Angsana New"/>
+        <a:font script="Ethi" typeface="Nyala"/>
+        <a:font script="Beng" typeface="Vrinda"/>
+        <a:font script="Gujr" typeface="Shruti"/>
+        <a:font script="Khmr" typeface="MoolBoran"/>
+        <a:font script="Knda" typeface="Tunga"/>
+        <a:font script="Guru" typeface="Raavi"/>
+        <a:font script="Cans" typeface="Euphemia"/>
+        <a:font script="Cher" typeface="Plantagenet Cherokee"/>
+        <a:font script="Yiii" typeface="Microsoft Yi Baiti"/>
+        <a:font script="Tibt" typeface="Microsoft Himalaya"/>
+        <a:font script="Thaa" typeface="MV Boli"/>
+        <a:font script="Deva" typeface="Mangal"/>
+        <a:font script="Telu" typeface="Gautami"/>
+        <a:font script="Taml" typeface="Latha"/>
+        <a:font script="Syrc" typeface="Estrangelo Edessa"/>
+        <a:font script="Orya" typeface="Kalinga"/>
+        <a:font script="Mlym" typeface="Kartika"/>
+        <a:font script="Laoo" typeface="DokChampa"/>
+        <a:font script="Sinh" typeface="Iskoola Pota"/>
+        <a:font script="Mong" typeface="Mongolian Baiti"/>
+        <a:font script="Viet" typeface="Times New Roman"/>
+        <a:font script="Uigh" typeface="Microsoft Uighur"/>
+        <a:font script="Geor" typeface="Sylfaen"/>
+      </a:majorFont>
+      <a:minorFont>
+        <a:latin typeface="Calibri"/>
+        <a:ea typeface=""/>
+        <a:cs typeface=""/>
+        <a:font script="Jpan" typeface="ＭＳ Ｐゴシック"/>
+        <a:font script="Hang" typeface="맑은 고딕"/>
+        <a:font script="Hans" typeface="宋体"/>
+        <a:font script="Hant" typeface="新細明體"/>
+        <a:font script="Arab" typeface="Arial"/>
+        <a:font script="Hebr" typeface="Arial"/>
+        <a:font script="Thai" typeface="Cordia New"/>
+        <a:font script="Ethi" typeface="Nyala"/>
+        <a:font script="Beng" typeface="Vrinda"/>
+        <a:font script="Gujr" typeface="Shruti"/>
+        <a:font script="Khmr" typeface="DaunPenh"/>
+        <a:font script="Knda" typeface="Tunga"/>
+        <a:font script="Guru" typeface="Raavi"/>
+        <a:font script="Cans" typeface="Euphemia"/>
+        <a:font script="Cher" typeface="Plantagenet Cherokee"/>
+        <a:font script="Yiii" typeface="Microsoft Yi Baiti"/>
+        <a:font script="Tibt" typeface="Microsoft Himalaya"/>
+        <a:font script="Thaa" typeface="MV Boli"/>
+        <a:font script="Deva" typeface="Mangal"/>
+        <a:font script="Telu" typeface="Gautami"/>
+        <a:font script="Taml" typeface="Latha"/>
+        <a:font script="Syrc" typeface="Estrangelo Edessa"/>
+        <a:font script="Orya" typeface="Kalinga"/>
+        <a:font script="Mlym" typeface="Kartika"/>
+        <a:font script="Laoo" typeface="DokChampa"/>
+        <a:font script="Sinh" typeface="Iskoola Pota"/>
+        <a:font script="Mong" typeface="Mongolian Baiti"/>
+        <a:font script="Viet" typeface="Arial"/>
+        <a:font script="Uigh" typeface="Microsoft Uighur"/>
+        <a:font script="Geor" typeface="Sylfaen"/>
+      </a:minorFont>
+    </a:fontScheme>
+    <a:fmtScheme name="Office">
+      <a:fillStyleLst>
+        <a:solidFill>
+          <a:schemeClr val="phClr"/>
+        </a:solidFill>
+        <a:gradFill rotWithShape="1">
+          <a:gsLst>
+            <a:gs pos="0">
+              <a:schemeClr val="phClr">
+                <a:lumMod val="110000"/>
+                <a:satMod val="105000"/>
+                <a:tint val="67000"/>
+              </a:schemeClr>
+            </a:gs>
+            <a:gs pos="50000">
+              <a:schemeClr val="phClr">
+                <a:lumMod val="105000"/>
+                <a:satMod val="103000"/>
+                <a:tint val="73000"/>
+              </a:schemeClr>
+            </a:gs>
+            <a:gs pos="100000">
+              <a:schemeClr val="phClr">
+                <a:lumMod val="105000"/>
+                <a:satMod val="109000"/>
+                <a:tint val="81000"/>
+              </a:schemeClr>
+            </a:gs>
+          </a:gsLst>
+          <a:lin ang="5400000" scaled="0"/>
+        </a:gradFill>
+        <a:gradFill rotWithShape="1">
+          <a:gsLst>
+            <a:gs pos="0">
+              <a:schemeClr val="phClr">
+                <a:satMod val="103000"/>
+                <a:lumMod val="102000"/>
+                <a:tint val="94000"/>
+              </a:schemeClr>
+            </a:gs>
+            <a:gs pos="50000">
+              <a:schemeClr val="phClr">
+                <a:satMod val="110000"/>
+                <a:lumMod val="100000"/>
+                <a:shade val="100000"/>
+              </a:schemeClr>
+            </a:gs>
+            <a:gs pos="100000">
+              <a:schemeClr val="phClr">
+                <a:lumMod val="99000"/>
+                <a:satMod val="120000"/>
+                <a:shade val="78000"/>
+              </a:schemeClr>
+            </a:gs>
+          </a:gsLst>
+          <a:lin ang="5400000" scaled="0"/>
+        </a:gradFill>
+      </a:fillStyleLst>
+      <a:lnStyleLst>
+        <a:ln w="6350" cap="flat" cmpd="sng" algn="ctr">
+          <a:solidFill>
+            <a:schemeClr val="phClr"/>
+          </a:solidFill>
+          <a:prstDash val="solid"/>
+          <a:miter lim="800000"/>
+        </a:ln>
+        <a:ln w="12700" cap="flat" cmpd="sng" algn="ctr">
+          <a:solidFill>
+            <a:schemeClr val="phClr"/>
+          </a:solidFill>
+          <a:prstDash val="solid"/>
+          <a:miter lim="800000"/>
+        </a:ln>
+        <a:ln w="19050" cap="flat" cmpd="sng" algn="ctr">
+          <a:solidFill>
+            <a:schemeClr val="phClr"/>
+          </a:solidFill>
+          <a:prstDash val="solid"/>
+          <a:miter lim="800000"/>
+        </a:ln>
+      </a:lnStyleLst>
+      <a:effectStyleLst>
+        <a:effectStyle>
+          <a:effectLst/>
+        </a:effectStyle>
+        <a:effectStyle>
+          <a:effectLst/>
+        </a:effectStyle>
+        <a:effectStyle>
+          <a:effectLst>
+            <a:outerShdw blurRad="57150" dist="19050" dir="5400000" algn="ctr" rotWithShape="0">
+              <a:srgbClr val="000000">
+                <a:alpha val="63000"/>
+              </a:srgbClr>
+            </a:outerShdw>
+          </a:effectLst>
+        </a:effectStyle>
+      </a:effectStyleLst>
+      <a:bgFillStyleLst>
+        <a:solidFill>
+          <a:schemeClr val="phClr"/>
+        </a:solidFill>
+        <a:solidFill>
+          <a:schemeClr val="phClr">
+            <a:tint val="95000"/>
+            <a:satMod val="170000"/>
+          </a:schemeClr>
+        </a:solidFill>
+        <a:gradFill rotWithShape="1">
+          <a:gsLst>
+            <a:gs pos="0">
+              <a:schemeClr val="phClr">
+                <a:tint val="93000"/>
+                <a:satMod val="150000"/>
+                <a:shade val="98000"/>
+                <a:lumMod val="102000"/>
+              </a:schemeClr>
+            </a:gs>
+            <a:gs pos="50000">
+              <a:schemeClr val="phClr">
+                <a:tint val="98000"/>
+                <a:satMod val="130000"/>
+                <a:shade val="90000"/>
+                <a:lumMod val="103000"/>
+              </a:schemeClr>
+            </a:gs>
+            <a:gs pos="100000">
+              <a:schemeClr val="phClr">
+                <a:shade val="63000"/>
+                <a:satMod val="120000"/>
+              </a:schemeClr>
+            </a:gs>
+          </a:gsLst>
+          <a:lin ang="5400000" scaled="0"/>
+        </a:gradFill>
+      </a:bgFillStyleLst>
+    </a:fmtScheme>
+  </a:themeElements>
+  <a:extLst>
+    <a:ext uri="{05A4C25C-085E-4340-85A3-A5531E510DB2}">
+      <thm15:themeFamily xmlns:thm15="http://schemas.microsoft.com/office/thememl/2012/main" name="Office Theme" id="{62F939B6-93AF-4DB8-9C6B-D6C7DFDC589F}" vid="{4A3C46E8-61CC-4603-A589-7422A47A8E4A}"/>
+    </a:ext>
+  </a:extLst>
+</a:theme>
 </file>